--- a/doc/Entregas_Desenvolvimento_de_APP/Recruta-Slide v1.3 - Anderson.pptx
+++ b/doc/Entregas_Desenvolvimento_de_APP/Recruta-Slide v1.3 - Anderson.pptx
@@ -4638,7 +4638,7 @@
                 <a:spcPct val="100000"/>
               </a:lnSpc>
             </a:pPr>
-            <a:fld id="{B11B9DA0-7DB5-40C2-A386-CF3B23FAA4F9}" type="datetime">
+            <a:fld id="{2D4D42F1-7233-4196-80D3-E482C13B6A9A}" type="datetime">
               <a:rPr b="0" lang="pt-BR" sz="1200" spc="-1" strike="noStrike">
                 <a:solidFill>
                   <a:srgbClr val="8b8b8b"/>
@@ -4729,7 +4729,7 @@
                 <a:spcPct val="100000"/>
               </a:lnSpc>
             </a:pPr>
-            <a:fld id="{B938BB11-5BF4-4636-BA97-6134A1D40220}" type="slidenum">
+            <a:fld id="{937F3330-F320-4072-AE08-57A32E750CE2}" type="slidenum">
               <a:rPr b="0" lang="pt-BR" sz="1200" spc="-1" strike="noStrike">
                 <a:solidFill>
                   <a:srgbClr val="8b8b8b"/>
@@ -4741,7 +4741,7 @@
                 </a:uFill>
                 <a:latin typeface="Calibri"/>
               </a:rPr>
-              <a:t>&lt;número&gt;</a:t>
+              <a:t>2</a:t>
             </a:fld>
             <a:endParaRPr b="0" lang="pt-BR" sz="1200" spc="-1" strike="noStrike">
               <a:solidFill>
@@ -5998,7 +5998,7 @@
                 <a:spcPct val="100000"/>
               </a:lnSpc>
             </a:pPr>
-            <a:fld id="{F61F2E9E-7096-466F-8B05-2376A03F7BFA}" type="datetime">
+            <a:fld id="{4A36483F-8E24-4E5F-A55F-517C485B60A8}" type="datetime">
               <a:rPr b="0" lang="pt-BR" sz="1200" spc="-1" strike="noStrike">
                 <a:solidFill>
                   <a:srgbClr val="8b8b8b"/>
@@ -6089,7 +6089,7 @@
                 <a:spcPct val="100000"/>
               </a:lnSpc>
             </a:pPr>
-            <a:fld id="{D79E66C7-D0C4-4624-B886-8C8103D46416}" type="slidenum">
+            <a:fld id="{4C916B1E-EA9F-4C89-820D-5E9C103309FC}" type="slidenum">
               <a:rPr b="0" lang="pt-BR" sz="1200" spc="-1" strike="noStrike">
                 <a:solidFill>
                   <a:srgbClr val="8b8b8b"/>
@@ -6575,6 +6575,68 @@
             </a:endParaRPr>
           </a:p>
           <a:p>
+            <a:pPr algn="just">
+              <a:lnSpc>
+                <a:spcPct val="100000"/>
+              </a:lnSpc>
+              <a:spcBef>
+                <a:spcPts val="479"/>
+              </a:spcBef>
+            </a:pPr>
+            <a:r>
+              <a:rPr b="0" lang="pt-BR" sz="2400" spc="-1" strike="noStrike">
+                <a:solidFill>
+                  <a:srgbClr val="ffffff"/>
+                </a:solidFill>
+                <a:uFill>
+                  <a:solidFill>
+                    <a:srgbClr val="ffffff"/>
+                  </a:solidFill>
+                </a:uFill>
+                <a:latin typeface="Calibri"/>
+              </a:rPr>
+              <a:t>Principais padrões de desenvolvimento e ou tecnologias adotados</a:t>
+            </a:r>
+            <a:endParaRPr b="0" lang="pt-BR" sz="2400" spc="-1" strike="noStrike">
+              <a:solidFill>
+                <a:srgbClr val="ffffff"/>
+              </a:solidFill>
+              <a:uFill>
+                <a:solidFill>
+                  <a:srgbClr val="ffffff"/>
+                </a:solidFill>
+              </a:uFill>
+              <a:latin typeface="Arial"/>
+            </a:endParaRPr>
+          </a:p>
+          <a:p>
+            <a:pPr marL="216000" indent="-216000" algn="just">
+              <a:lnSpc>
+                <a:spcPct val="100000"/>
+              </a:lnSpc>
+              <a:spcBef>
+                <a:spcPts val="479"/>
+              </a:spcBef>
+              <a:buClr>
+                <a:srgbClr val="ffffff"/>
+              </a:buClr>
+              <a:buSzPct val="45000"/>
+              <a:buFont typeface="Wingdings" charset="2"/>
+              <a:buChar char=""/>
+            </a:pPr>
+            <a:endParaRPr b="0" lang="pt-BR" sz="2400" spc="-1" strike="noStrike">
+              <a:solidFill>
+                <a:srgbClr val="ffffff"/>
+              </a:solidFill>
+              <a:uFill>
+                <a:solidFill>
+                  <a:srgbClr val="ffffff"/>
+                </a:solidFill>
+              </a:uFill>
+              <a:latin typeface="Arial"/>
+            </a:endParaRPr>
+          </a:p>
+          <a:p>
             <a:pPr marL="216000" indent="-216000" algn="just">
               <a:lnSpc>
                 <a:spcPct val="100000"/>
@@ -6601,7 +6663,7 @@
                 </a:uFill>
                 <a:latin typeface="Calibri"/>
               </a:rPr>
-              <a:t>Backend: JavaEE,JTA,Jax-RS</a:t>
+              <a:t>Backend: JavaEE, JTA, Jax-RS</a:t>
             </a:r>
             <a:endParaRPr b="0" lang="pt-BR" sz="2400" spc="-1" strike="noStrike">
               <a:solidFill>
@@ -6642,7 +6704,7 @@
                 </a:uFill>
                 <a:latin typeface="Calibri"/>
               </a:rPr>
-              <a:t>Frontend: AngularJS, Bootstrap, Html5</a:t>
+              <a:t>Frontend: JavaScript, CSS3, Html5</a:t>
             </a:r>
             <a:endParaRPr b="0" lang="pt-BR" sz="2400" spc="-1" strike="noStrike">
               <a:solidFill>

--- a/doc/Entregas_Desenvolvimento_de_APP/Recruta-Slide v1.3 - Anderson.pptx
+++ b/doc/Entregas_Desenvolvimento_de_APP/Recruta-Slide v1.3 - Anderson.pptx
@@ -4638,7 +4638,7 @@
                 <a:spcPct val="100000"/>
               </a:lnSpc>
             </a:pPr>
-            <a:fld id="{2D4D42F1-7233-4196-80D3-E482C13B6A9A}" type="datetime">
+            <a:fld id="{9EED7CAC-32FF-471A-8F6F-4D78E1E0177D}" type="datetime">
               <a:rPr b="0" lang="pt-BR" sz="1200" spc="-1" strike="noStrike">
                 <a:solidFill>
                   <a:srgbClr val="8b8b8b"/>
@@ -4729,7 +4729,7 @@
                 <a:spcPct val="100000"/>
               </a:lnSpc>
             </a:pPr>
-            <a:fld id="{937F3330-F320-4072-AE08-57A32E750CE2}" type="slidenum">
+            <a:fld id="{0C441339-E50D-4FCA-A44C-B6ECA83B33EC}" type="slidenum">
               <a:rPr b="0" lang="pt-BR" sz="1200" spc="-1" strike="noStrike">
                 <a:solidFill>
                   <a:srgbClr val="8b8b8b"/>
@@ -5998,7 +5998,7 @@
                 <a:spcPct val="100000"/>
               </a:lnSpc>
             </a:pPr>
-            <a:fld id="{4A36483F-8E24-4E5F-A55F-517C485B60A8}" type="datetime">
+            <a:fld id="{14F9E918-C635-4C00-B792-D5AA4DC4387F}" type="datetime">
               <a:rPr b="0" lang="pt-BR" sz="1200" spc="-1" strike="noStrike">
                 <a:solidFill>
                   <a:srgbClr val="8b8b8b"/>
@@ -6089,7 +6089,7 @@
                 <a:spcPct val="100000"/>
               </a:lnSpc>
             </a:pPr>
-            <a:fld id="{4C916B1E-EA9F-4C89-820D-5E9C103309FC}" type="slidenum">
+            <a:fld id="{17C170FF-1452-46E0-BD20-4EA3D34F15A8}" type="slidenum">
               <a:rPr b="0" lang="pt-BR" sz="1200" spc="-1" strike="noStrike">
                 <a:solidFill>
                   <a:srgbClr val="8b8b8b"/>
